--- a/ppt 16-9/0300.到神殿谨慎脚步.pptx
+++ b/ppt 16-9/0300.到神殿谨慎脚步.pptx
@@ -5,7 +5,7 @@
     <p:sldMasterId id="2147483648" r:id="rId1"/>
   </p:sldMasterIdLst>
   <p:sldIdLst>
-    <p:sldId id="3179" r:id="rId2"/>
+    <p:sldId id="3180" r:id="rId2"/>
   </p:sldIdLst>
   <p:sldSz cx="12192000" cy="6858000"/>
   <p:notesSz cx="6858000" cy="9144000"/>
@@ -129,7 +129,7 @@
           <p:cNvPr id="2" name="标题 1">
             <a:extLst>
               <a:ext uri="{FF2B5EF4-FFF2-40B4-BE49-F238E27FC236}">
-                <a16:creationId xmlns:a16="http://schemas.microsoft.com/office/drawing/2014/main" id="{FFF4D9B2-6AA5-D89D-7D5D-F46FAF612514}"/>
+                <a16:creationId xmlns:a16="http://schemas.microsoft.com/office/drawing/2014/main" id="{6B9FBEA6-0288-F27F-184D-33454399E6C3}"/>
               </a:ext>
             </a:extLst>
           </p:cNvPr>
@@ -166,7 +166,7 @@
           <p:cNvPr id="3" name="副标题 2">
             <a:extLst>
               <a:ext uri="{FF2B5EF4-FFF2-40B4-BE49-F238E27FC236}">
-                <a16:creationId xmlns:a16="http://schemas.microsoft.com/office/drawing/2014/main" id="{1486A82B-0AD3-D65A-BF84-F52A38DD6620}"/>
+                <a16:creationId xmlns:a16="http://schemas.microsoft.com/office/drawing/2014/main" id="{EBF35687-2250-37A8-A10B-56BDE222F8E4}"/>
               </a:ext>
             </a:extLst>
           </p:cNvPr>
@@ -236,7 +236,7 @@
           <p:cNvPr id="4" name="日期占位符 3">
             <a:extLst>
               <a:ext uri="{FF2B5EF4-FFF2-40B4-BE49-F238E27FC236}">
-                <a16:creationId xmlns:a16="http://schemas.microsoft.com/office/drawing/2014/main" id="{CEC5F287-FF58-7816-0A6E-B230F5AB18B5}"/>
+                <a16:creationId xmlns:a16="http://schemas.microsoft.com/office/drawing/2014/main" id="{C1148359-7355-9104-5A59-3BE69623F269}"/>
               </a:ext>
             </a:extLst>
           </p:cNvPr>
@@ -252,7 +252,7 @@
           <a:bodyPr/>
           <a:lstStyle/>
           <a:p>
-            <a:fld id="{1F25C5EC-7752-4F6D-A166-A6FA530EE0EB}" type="datetimeFigureOut">
+            <a:fld id="{9E96228B-7B37-4449-AC88-C9D2E6BC7C34}" type="datetimeFigureOut">
               <a:rPr lang="zh-CN" altLang="en-US" smtClean="0"/>
               <a:t>2024/3/10</a:t>
             </a:fld>
@@ -265,7 +265,7 @@
           <p:cNvPr id="5" name="页脚占位符 4">
             <a:extLst>
               <a:ext uri="{FF2B5EF4-FFF2-40B4-BE49-F238E27FC236}">
-                <a16:creationId xmlns:a16="http://schemas.microsoft.com/office/drawing/2014/main" id="{3611AFB6-2BC1-B64D-C78E-1BB9A92477EB}"/>
+                <a16:creationId xmlns:a16="http://schemas.microsoft.com/office/drawing/2014/main" id="{A7B42F8A-4C52-9439-516C-A9C861E07890}"/>
               </a:ext>
             </a:extLst>
           </p:cNvPr>
@@ -290,7 +290,7 @@
           <p:cNvPr id="6" name="灯片编号占位符 5">
             <a:extLst>
               <a:ext uri="{FF2B5EF4-FFF2-40B4-BE49-F238E27FC236}">
-                <a16:creationId xmlns:a16="http://schemas.microsoft.com/office/drawing/2014/main" id="{47739197-EAD7-5FE4-3A2A-E98E03E20F89}"/>
+                <a16:creationId xmlns:a16="http://schemas.microsoft.com/office/drawing/2014/main" id="{EE436888-3EB4-307F-1948-184A5CE58DE3}"/>
               </a:ext>
             </a:extLst>
           </p:cNvPr>
@@ -306,7 +306,7 @@
           <a:bodyPr/>
           <a:lstStyle/>
           <a:p>
-            <a:fld id="{147A3EEB-C445-441F-8ACF-6D3EDBD5FA8F}" type="slidenum">
+            <a:fld id="{C0C186E9-95A9-4582-9122-6359CE8503E3}" type="slidenum">
               <a:rPr lang="zh-CN" altLang="en-US" smtClean="0"/>
               <a:t>‹#›</a:t>
             </a:fld>
@@ -317,7 +317,7 @@
     </p:spTree>
     <p:extLst>
       <p:ext uri="{BB962C8B-B14F-4D97-AF65-F5344CB8AC3E}">
-        <p14:creationId xmlns:p14="http://schemas.microsoft.com/office/powerpoint/2010/main" val="2461417371"/>
+        <p14:creationId xmlns:p14="http://schemas.microsoft.com/office/powerpoint/2010/main" val="1157214596"/>
       </p:ext>
     </p:extLst>
   </p:cSld>
@@ -349,7 +349,7 @@
           <p:cNvPr id="2" name="标题 1">
             <a:extLst>
               <a:ext uri="{FF2B5EF4-FFF2-40B4-BE49-F238E27FC236}">
-                <a16:creationId xmlns:a16="http://schemas.microsoft.com/office/drawing/2014/main" id="{A54E1D42-3173-1825-7936-6C616DBA1F0F}"/>
+                <a16:creationId xmlns:a16="http://schemas.microsoft.com/office/drawing/2014/main" id="{EAC31E74-DB9F-74FC-8A3A-06F97991E65D}"/>
               </a:ext>
             </a:extLst>
           </p:cNvPr>
@@ -377,7 +377,7 @@
           <p:cNvPr id="3" name="竖排文字占位符 2">
             <a:extLst>
               <a:ext uri="{FF2B5EF4-FFF2-40B4-BE49-F238E27FC236}">
-                <a16:creationId xmlns:a16="http://schemas.microsoft.com/office/drawing/2014/main" id="{E2C221BD-9AE1-04A5-7784-229B16907878}"/>
+                <a16:creationId xmlns:a16="http://schemas.microsoft.com/office/drawing/2014/main" id="{17FF1B82-C47B-AEDB-D092-831C942CD03A}"/>
               </a:ext>
             </a:extLst>
           </p:cNvPr>
@@ -434,7 +434,7 @@
           <p:cNvPr id="4" name="日期占位符 3">
             <a:extLst>
               <a:ext uri="{FF2B5EF4-FFF2-40B4-BE49-F238E27FC236}">
-                <a16:creationId xmlns:a16="http://schemas.microsoft.com/office/drawing/2014/main" id="{4A383FB6-A85A-4C53-B05C-C2E2F45D312E}"/>
+                <a16:creationId xmlns:a16="http://schemas.microsoft.com/office/drawing/2014/main" id="{430266E9-191D-B33C-55E8-6CE99A48D325}"/>
               </a:ext>
             </a:extLst>
           </p:cNvPr>
@@ -450,7 +450,7 @@
           <a:bodyPr/>
           <a:lstStyle/>
           <a:p>
-            <a:fld id="{1F25C5EC-7752-4F6D-A166-A6FA530EE0EB}" type="datetimeFigureOut">
+            <a:fld id="{9E96228B-7B37-4449-AC88-C9D2E6BC7C34}" type="datetimeFigureOut">
               <a:rPr lang="zh-CN" altLang="en-US" smtClean="0"/>
               <a:t>2024/3/10</a:t>
             </a:fld>
@@ -463,7 +463,7 @@
           <p:cNvPr id="5" name="页脚占位符 4">
             <a:extLst>
               <a:ext uri="{FF2B5EF4-FFF2-40B4-BE49-F238E27FC236}">
-                <a16:creationId xmlns:a16="http://schemas.microsoft.com/office/drawing/2014/main" id="{962370F4-21A1-3A41-683C-BB4BF3C7E1CB}"/>
+                <a16:creationId xmlns:a16="http://schemas.microsoft.com/office/drawing/2014/main" id="{14A4FFBA-D20A-89D4-8051-108B6532E4D5}"/>
               </a:ext>
             </a:extLst>
           </p:cNvPr>
@@ -488,7 +488,7 @@
           <p:cNvPr id="6" name="灯片编号占位符 5">
             <a:extLst>
               <a:ext uri="{FF2B5EF4-FFF2-40B4-BE49-F238E27FC236}">
-                <a16:creationId xmlns:a16="http://schemas.microsoft.com/office/drawing/2014/main" id="{95A468B3-6100-A9A1-7457-AC68169A5D7F}"/>
+                <a16:creationId xmlns:a16="http://schemas.microsoft.com/office/drawing/2014/main" id="{89652E59-AFA3-A4BC-1BEE-4F1C9E43AFA3}"/>
               </a:ext>
             </a:extLst>
           </p:cNvPr>
@@ -504,7 +504,7 @@
           <a:bodyPr/>
           <a:lstStyle/>
           <a:p>
-            <a:fld id="{147A3EEB-C445-441F-8ACF-6D3EDBD5FA8F}" type="slidenum">
+            <a:fld id="{C0C186E9-95A9-4582-9122-6359CE8503E3}" type="slidenum">
               <a:rPr lang="zh-CN" altLang="en-US" smtClean="0"/>
               <a:t>‹#›</a:t>
             </a:fld>
@@ -515,7 +515,7 @@
     </p:spTree>
     <p:extLst>
       <p:ext uri="{BB962C8B-B14F-4D97-AF65-F5344CB8AC3E}">
-        <p14:creationId xmlns:p14="http://schemas.microsoft.com/office/powerpoint/2010/main" val="4163522063"/>
+        <p14:creationId xmlns:p14="http://schemas.microsoft.com/office/powerpoint/2010/main" val="195525207"/>
       </p:ext>
     </p:extLst>
   </p:cSld>
@@ -547,7 +547,7 @@
           <p:cNvPr id="2" name="竖排标题 1">
             <a:extLst>
               <a:ext uri="{FF2B5EF4-FFF2-40B4-BE49-F238E27FC236}">
-                <a16:creationId xmlns:a16="http://schemas.microsoft.com/office/drawing/2014/main" id="{C183711B-D91E-112D-9CF1-497F7023BD22}"/>
+                <a16:creationId xmlns:a16="http://schemas.microsoft.com/office/drawing/2014/main" id="{4166E7B5-E31D-4D5B-321B-350CC382B236}"/>
               </a:ext>
             </a:extLst>
           </p:cNvPr>
@@ -580,7 +580,7 @@
           <p:cNvPr id="3" name="竖排文字占位符 2">
             <a:extLst>
               <a:ext uri="{FF2B5EF4-FFF2-40B4-BE49-F238E27FC236}">
-                <a16:creationId xmlns:a16="http://schemas.microsoft.com/office/drawing/2014/main" id="{C8D2D11B-6D67-0042-30E8-346039CA5BC2}"/>
+                <a16:creationId xmlns:a16="http://schemas.microsoft.com/office/drawing/2014/main" id="{9425D597-FCFF-287C-CE16-EA17A430BA8D}"/>
               </a:ext>
             </a:extLst>
           </p:cNvPr>
@@ -642,7 +642,7 @@
           <p:cNvPr id="4" name="日期占位符 3">
             <a:extLst>
               <a:ext uri="{FF2B5EF4-FFF2-40B4-BE49-F238E27FC236}">
-                <a16:creationId xmlns:a16="http://schemas.microsoft.com/office/drawing/2014/main" id="{C7239291-421A-2BEC-876F-651ECEBB7C7E}"/>
+                <a16:creationId xmlns:a16="http://schemas.microsoft.com/office/drawing/2014/main" id="{1E4A2D87-F5C2-95CA-E454-EA7B97CDC71D}"/>
               </a:ext>
             </a:extLst>
           </p:cNvPr>
@@ -658,7 +658,7 @@
           <a:bodyPr/>
           <a:lstStyle/>
           <a:p>
-            <a:fld id="{1F25C5EC-7752-4F6D-A166-A6FA530EE0EB}" type="datetimeFigureOut">
+            <a:fld id="{9E96228B-7B37-4449-AC88-C9D2E6BC7C34}" type="datetimeFigureOut">
               <a:rPr lang="zh-CN" altLang="en-US" smtClean="0"/>
               <a:t>2024/3/10</a:t>
             </a:fld>
@@ -671,7 +671,7 @@
           <p:cNvPr id="5" name="页脚占位符 4">
             <a:extLst>
               <a:ext uri="{FF2B5EF4-FFF2-40B4-BE49-F238E27FC236}">
-                <a16:creationId xmlns:a16="http://schemas.microsoft.com/office/drawing/2014/main" id="{B45E9DDD-A1BA-E74F-EC92-6E860C018889}"/>
+                <a16:creationId xmlns:a16="http://schemas.microsoft.com/office/drawing/2014/main" id="{41B71AC6-8BEB-442A-5970-815AC10D06E8}"/>
               </a:ext>
             </a:extLst>
           </p:cNvPr>
@@ -696,7 +696,7 @@
           <p:cNvPr id="6" name="灯片编号占位符 5">
             <a:extLst>
               <a:ext uri="{FF2B5EF4-FFF2-40B4-BE49-F238E27FC236}">
-                <a16:creationId xmlns:a16="http://schemas.microsoft.com/office/drawing/2014/main" id="{9E723C4D-EEFC-3432-63C2-314275E3E00D}"/>
+                <a16:creationId xmlns:a16="http://schemas.microsoft.com/office/drawing/2014/main" id="{A9F65994-ED40-39BD-E5E6-ED36EB186C07}"/>
               </a:ext>
             </a:extLst>
           </p:cNvPr>
@@ -712,7 +712,7 @@
           <a:bodyPr/>
           <a:lstStyle/>
           <a:p>
-            <a:fld id="{147A3EEB-C445-441F-8ACF-6D3EDBD5FA8F}" type="slidenum">
+            <a:fld id="{C0C186E9-95A9-4582-9122-6359CE8503E3}" type="slidenum">
               <a:rPr lang="zh-CN" altLang="en-US" smtClean="0"/>
               <a:t>‹#›</a:t>
             </a:fld>
@@ -723,7 +723,7 @@
     </p:spTree>
     <p:extLst>
       <p:ext uri="{BB962C8B-B14F-4D97-AF65-F5344CB8AC3E}">
-        <p14:creationId xmlns:p14="http://schemas.microsoft.com/office/powerpoint/2010/main" val="802145300"/>
+        <p14:creationId xmlns:p14="http://schemas.microsoft.com/office/powerpoint/2010/main" val="3087557425"/>
       </p:ext>
     </p:extLst>
   </p:cSld>
@@ -755,7 +755,7 @@
           <p:cNvPr id="2" name="标题 1">
             <a:extLst>
               <a:ext uri="{FF2B5EF4-FFF2-40B4-BE49-F238E27FC236}">
-                <a16:creationId xmlns:a16="http://schemas.microsoft.com/office/drawing/2014/main" id="{0AAF5D45-16BB-AAD6-EC07-BAB91CB56767}"/>
+                <a16:creationId xmlns:a16="http://schemas.microsoft.com/office/drawing/2014/main" id="{C4A6BF6E-35A4-4981-6367-62E33F1E0E19}"/>
               </a:ext>
             </a:extLst>
           </p:cNvPr>
@@ -783,7 +783,7 @@
           <p:cNvPr id="3" name="内容占位符 2">
             <a:extLst>
               <a:ext uri="{FF2B5EF4-FFF2-40B4-BE49-F238E27FC236}">
-                <a16:creationId xmlns:a16="http://schemas.microsoft.com/office/drawing/2014/main" id="{70733B40-C006-8ACC-7E36-59DD299518C8}"/>
+                <a16:creationId xmlns:a16="http://schemas.microsoft.com/office/drawing/2014/main" id="{78B311F7-D40A-F044-3A31-263F4202A42B}"/>
               </a:ext>
             </a:extLst>
           </p:cNvPr>
@@ -840,7 +840,7 @@
           <p:cNvPr id="4" name="日期占位符 3">
             <a:extLst>
               <a:ext uri="{FF2B5EF4-FFF2-40B4-BE49-F238E27FC236}">
-                <a16:creationId xmlns:a16="http://schemas.microsoft.com/office/drawing/2014/main" id="{D9DC82F5-CBEC-F15E-7CF3-F54041C3C693}"/>
+                <a16:creationId xmlns:a16="http://schemas.microsoft.com/office/drawing/2014/main" id="{413ABADB-CCDC-4FD7-EBBE-D0E422CD9360}"/>
               </a:ext>
             </a:extLst>
           </p:cNvPr>
@@ -856,7 +856,7 @@
           <a:bodyPr/>
           <a:lstStyle/>
           <a:p>
-            <a:fld id="{1F25C5EC-7752-4F6D-A166-A6FA530EE0EB}" type="datetimeFigureOut">
+            <a:fld id="{9E96228B-7B37-4449-AC88-C9D2E6BC7C34}" type="datetimeFigureOut">
               <a:rPr lang="zh-CN" altLang="en-US" smtClean="0"/>
               <a:t>2024/3/10</a:t>
             </a:fld>
@@ -869,7 +869,7 @@
           <p:cNvPr id="5" name="页脚占位符 4">
             <a:extLst>
               <a:ext uri="{FF2B5EF4-FFF2-40B4-BE49-F238E27FC236}">
-                <a16:creationId xmlns:a16="http://schemas.microsoft.com/office/drawing/2014/main" id="{FADF7118-B141-8F28-43B2-24735A81C749}"/>
+                <a16:creationId xmlns:a16="http://schemas.microsoft.com/office/drawing/2014/main" id="{F0E1EA83-9AA7-A878-18D3-AD271ECC02D4}"/>
               </a:ext>
             </a:extLst>
           </p:cNvPr>
@@ -894,7 +894,7 @@
           <p:cNvPr id="6" name="灯片编号占位符 5">
             <a:extLst>
               <a:ext uri="{FF2B5EF4-FFF2-40B4-BE49-F238E27FC236}">
-                <a16:creationId xmlns:a16="http://schemas.microsoft.com/office/drawing/2014/main" id="{27D4A9A6-3B04-D0D6-3C33-4C08C74328C4}"/>
+                <a16:creationId xmlns:a16="http://schemas.microsoft.com/office/drawing/2014/main" id="{F0AF6253-1913-AD3E-2FA8-516956891446}"/>
               </a:ext>
             </a:extLst>
           </p:cNvPr>
@@ -910,7 +910,7 @@
           <a:bodyPr/>
           <a:lstStyle/>
           <a:p>
-            <a:fld id="{147A3EEB-C445-441F-8ACF-6D3EDBD5FA8F}" type="slidenum">
+            <a:fld id="{C0C186E9-95A9-4582-9122-6359CE8503E3}" type="slidenum">
               <a:rPr lang="zh-CN" altLang="en-US" smtClean="0"/>
               <a:t>‹#›</a:t>
             </a:fld>
@@ -921,7 +921,7 @@
     </p:spTree>
     <p:extLst>
       <p:ext uri="{BB962C8B-B14F-4D97-AF65-F5344CB8AC3E}">
-        <p14:creationId xmlns:p14="http://schemas.microsoft.com/office/powerpoint/2010/main" val="3664575209"/>
+        <p14:creationId xmlns:p14="http://schemas.microsoft.com/office/powerpoint/2010/main" val="2684665266"/>
       </p:ext>
     </p:extLst>
   </p:cSld>
@@ -953,7 +953,7 @@
           <p:cNvPr id="2" name="标题 1">
             <a:extLst>
               <a:ext uri="{FF2B5EF4-FFF2-40B4-BE49-F238E27FC236}">
-                <a16:creationId xmlns:a16="http://schemas.microsoft.com/office/drawing/2014/main" id="{4AB5E26B-6019-F72A-D4E3-8000CC71CE91}"/>
+                <a16:creationId xmlns:a16="http://schemas.microsoft.com/office/drawing/2014/main" id="{C2B853BA-CB60-3E0A-00B0-AF08C984A620}"/>
               </a:ext>
             </a:extLst>
           </p:cNvPr>
@@ -990,7 +990,7 @@
           <p:cNvPr id="3" name="文本占位符 2">
             <a:extLst>
               <a:ext uri="{FF2B5EF4-FFF2-40B4-BE49-F238E27FC236}">
-                <a16:creationId xmlns:a16="http://schemas.microsoft.com/office/drawing/2014/main" id="{F99FDE28-5336-0707-8A9F-50471E9F68A6}"/>
+                <a16:creationId xmlns:a16="http://schemas.microsoft.com/office/drawing/2014/main" id="{D0689025-A86A-2A4A-ECA4-BF5F1B4D51D5}"/>
               </a:ext>
             </a:extLst>
           </p:cNvPr>
@@ -1115,7 +1115,7 @@
           <p:cNvPr id="4" name="日期占位符 3">
             <a:extLst>
               <a:ext uri="{FF2B5EF4-FFF2-40B4-BE49-F238E27FC236}">
-                <a16:creationId xmlns:a16="http://schemas.microsoft.com/office/drawing/2014/main" id="{1266394A-092E-F161-34F9-A92316B39FD3}"/>
+                <a16:creationId xmlns:a16="http://schemas.microsoft.com/office/drawing/2014/main" id="{A1C3D862-9ED7-39C7-E7FF-87AF17B7D208}"/>
               </a:ext>
             </a:extLst>
           </p:cNvPr>
@@ -1131,7 +1131,7 @@
           <a:bodyPr/>
           <a:lstStyle/>
           <a:p>
-            <a:fld id="{1F25C5EC-7752-4F6D-A166-A6FA530EE0EB}" type="datetimeFigureOut">
+            <a:fld id="{9E96228B-7B37-4449-AC88-C9D2E6BC7C34}" type="datetimeFigureOut">
               <a:rPr lang="zh-CN" altLang="en-US" smtClean="0"/>
               <a:t>2024/3/10</a:t>
             </a:fld>
@@ -1144,7 +1144,7 @@
           <p:cNvPr id="5" name="页脚占位符 4">
             <a:extLst>
               <a:ext uri="{FF2B5EF4-FFF2-40B4-BE49-F238E27FC236}">
-                <a16:creationId xmlns:a16="http://schemas.microsoft.com/office/drawing/2014/main" id="{B0A6D2AD-C3B2-91E0-EE46-0203B2D2213B}"/>
+                <a16:creationId xmlns:a16="http://schemas.microsoft.com/office/drawing/2014/main" id="{63ACA996-2CA4-B1E2-B6F1-910D7AF3DD3B}"/>
               </a:ext>
             </a:extLst>
           </p:cNvPr>
@@ -1169,7 +1169,7 @@
           <p:cNvPr id="6" name="灯片编号占位符 5">
             <a:extLst>
               <a:ext uri="{FF2B5EF4-FFF2-40B4-BE49-F238E27FC236}">
-                <a16:creationId xmlns:a16="http://schemas.microsoft.com/office/drawing/2014/main" id="{F5B4A545-5C65-5D00-54A6-EF5126244277}"/>
+                <a16:creationId xmlns:a16="http://schemas.microsoft.com/office/drawing/2014/main" id="{27A45A92-D540-5673-C199-8A3414654DED}"/>
               </a:ext>
             </a:extLst>
           </p:cNvPr>
@@ -1185,7 +1185,7 @@
           <a:bodyPr/>
           <a:lstStyle/>
           <a:p>
-            <a:fld id="{147A3EEB-C445-441F-8ACF-6D3EDBD5FA8F}" type="slidenum">
+            <a:fld id="{C0C186E9-95A9-4582-9122-6359CE8503E3}" type="slidenum">
               <a:rPr lang="zh-CN" altLang="en-US" smtClean="0"/>
               <a:t>‹#›</a:t>
             </a:fld>
@@ -1196,7 +1196,7 @@
     </p:spTree>
     <p:extLst>
       <p:ext uri="{BB962C8B-B14F-4D97-AF65-F5344CB8AC3E}">
-        <p14:creationId xmlns:p14="http://schemas.microsoft.com/office/powerpoint/2010/main" val="2795844281"/>
+        <p14:creationId xmlns:p14="http://schemas.microsoft.com/office/powerpoint/2010/main" val="147883583"/>
       </p:ext>
     </p:extLst>
   </p:cSld>
@@ -1228,7 +1228,7 @@
           <p:cNvPr id="2" name="标题 1">
             <a:extLst>
               <a:ext uri="{FF2B5EF4-FFF2-40B4-BE49-F238E27FC236}">
-                <a16:creationId xmlns:a16="http://schemas.microsoft.com/office/drawing/2014/main" id="{15E16AF9-0AF7-9811-4B8C-8DE8A7495EAC}"/>
+                <a16:creationId xmlns:a16="http://schemas.microsoft.com/office/drawing/2014/main" id="{02C0F0EA-DC38-EDF1-2B7A-FA07F0A16914}"/>
               </a:ext>
             </a:extLst>
           </p:cNvPr>
@@ -1256,7 +1256,7 @@
           <p:cNvPr id="3" name="内容占位符 2">
             <a:extLst>
               <a:ext uri="{FF2B5EF4-FFF2-40B4-BE49-F238E27FC236}">
-                <a16:creationId xmlns:a16="http://schemas.microsoft.com/office/drawing/2014/main" id="{FFBA72FA-D3BB-61A2-787D-DBB657C76B6C}"/>
+                <a16:creationId xmlns:a16="http://schemas.microsoft.com/office/drawing/2014/main" id="{BC7445EC-CD4C-824C-2959-4F44FF3A83C0}"/>
               </a:ext>
             </a:extLst>
           </p:cNvPr>
@@ -1318,7 +1318,7 @@
           <p:cNvPr id="4" name="内容占位符 3">
             <a:extLst>
               <a:ext uri="{FF2B5EF4-FFF2-40B4-BE49-F238E27FC236}">
-                <a16:creationId xmlns:a16="http://schemas.microsoft.com/office/drawing/2014/main" id="{01A275FF-4E1F-E185-EA5D-4542663559AC}"/>
+                <a16:creationId xmlns:a16="http://schemas.microsoft.com/office/drawing/2014/main" id="{3DCB785D-75AD-09AC-2607-E45F0FB869DA}"/>
               </a:ext>
             </a:extLst>
           </p:cNvPr>
@@ -1380,7 +1380,7 @@
           <p:cNvPr id="5" name="日期占位符 4">
             <a:extLst>
               <a:ext uri="{FF2B5EF4-FFF2-40B4-BE49-F238E27FC236}">
-                <a16:creationId xmlns:a16="http://schemas.microsoft.com/office/drawing/2014/main" id="{C509C71B-065C-02FF-B7BA-37BB3B24EAE2}"/>
+                <a16:creationId xmlns:a16="http://schemas.microsoft.com/office/drawing/2014/main" id="{1329D713-852C-6E92-5B9D-69DAEAEDB7BF}"/>
               </a:ext>
             </a:extLst>
           </p:cNvPr>
@@ -1396,7 +1396,7 @@
           <a:bodyPr/>
           <a:lstStyle/>
           <a:p>
-            <a:fld id="{1F25C5EC-7752-4F6D-A166-A6FA530EE0EB}" type="datetimeFigureOut">
+            <a:fld id="{9E96228B-7B37-4449-AC88-C9D2E6BC7C34}" type="datetimeFigureOut">
               <a:rPr lang="zh-CN" altLang="en-US" smtClean="0"/>
               <a:t>2024/3/10</a:t>
             </a:fld>
@@ -1409,7 +1409,7 @@
           <p:cNvPr id="6" name="页脚占位符 5">
             <a:extLst>
               <a:ext uri="{FF2B5EF4-FFF2-40B4-BE49-F238E27FC236}">
-                <a16:creationId xmlns:a16="http://schemas.microsoft.com/office/drawing/2014/main" id="{134B1F7E-B2AD-2350-E767-B5EB3B6741D8}"/>
+                <a16:creationId xmlns:a16="http://schemas.microsoft.com/office/drawing/2014/main" id="{5E12D3F3-3B51-C697-4FA9-9B8300487F2C}"/>
               </a:ext>
             </a:extLst>
           </p:cNvPr>
@@ -1434,7 +1434,7 @@
           <p:cNvPr id="7" name="灯片编号占位符 6">
             <a:extLst>
               <a:ext uri="{FF2B5EF4-FFF2-40B4-BE49-F238E27FC236}">
-                <a16:creationId xmlns:a16="http://schemas.microsoft.com/office/drawing/2014/main" id="{053512BB-466D-9183-C1E1-470D650C9738}"/>
+                <a16:creationId xmlns:a16="http://schemas.microsoft.com/office/drawing/2014/main" id="{8B4ACB92-82AB-E202-36A5-B48786A8D1E5}"/>
               </a:ext>
             </a:extLst>
           </p:cNvPr>
@@ -1450,7 +1450,7 @@
           <a:bodyPr/>
           <a:lstStyle/>
           <a:p>
-            <a:fld id="{147A3EEB-C445-441F-8ACF-6D3EDBD5FA8F}" type="slidenum">
+            <a:fld id="{C0C186E9-95A9-4582-9122-6359CE8503E3}" type="slidenum">
               <a:rPr lang="zh-CN" altLang="en-US" smtClean="0"/>
               <a:t>‹#›</a:t>
             </a:fld>
@@ -1461,7 +1461,7 @@
     </p:spTree>
     <p:extLst>
       <p:ext uri="{BB962C8B-B14F-4D97-AF65-F5344CB8AC3E}">
-        <p14:creationId xmlns:p14="http://schemas.microsoft.com/office/powerpoint/2010/main" val="165140229"/>
+        <p14:creationId xmlns:p14="http://schemas.microsoft.com/office/powerpoint/2010/main" val="1629107066"/>
       </p:ext>
     </p:extLst>
   </p:cSld>
@@ -1493,7 +1493,7 @@
           <p:cNvPr id="2" name="标题 1">
             <a:extLst>
               <a:ext uri="{FF2B5EF4-FFF2-40B4-BE49-F238E27FC236}">
-                <a16:creationId xmlns:a16="http://schemas.microsoft.com/office/drawing/2014/main" id="{393A5763-0F3D-2685-185B-E2969E6D5CE5}"/>
+                <a16:creationId xmlns:a16="http://schemas.microsoft.com/office/drawing/2014/main" id="{592B5DE5-A37F-79CA-97DE-E2D286DD51FE}"/>
               </a:ext>
             </a:extLst>
           </p:cNvPr>
@@ -1526,7 +1526,7 @@
           <p:cNvPr id="3" name="文本占位符 2">
             <a:extLst>
               <a:ext uri="{FF2B5EF4-FFF2-40B4-BE49-F238E27FC236}">
-                <a16:creationId xmlns:a16="http://schemas.microsoft.com/office/drawing/2014/main" id="{8AA48506-9777-6DCA-E460-EEFE9E8827AD}"/>
+                <a16:creationId xmlns:a16="http://schemas.microsoft.com/office/drawing/2014/main" id="{7CCB5300-B994-E0B5-1ACA-30FF8A7133FB}"/>
               </a:ext>
             </a:extLst>
           </p:cNvPr>
@@ -1597,7 +1597,7 @@
           <p:cNvPr id="4" name="内容占位符 3">
             <a:extLst>
               <a:ext uri="{FF2B5EF4-FFF2-40B4-BE49-F238E27FC236}">
-                <a16:creationId xmlns:a16="http://schemas.microsoft.com/office/drawing/2014/main" id="{156F2880-43A8-ED49-58B9-B3230B789A44}"/>
+                <a16:creationId xmlns:a16="http://schemas.microsoft.com/office/drawing/2014/main" id="{6A8ADE73-F962-D641-65E3-C67C8C571410}"/>
               </a:ext>
             </a:extLst>
           </p:cNvPr>
@@ -1659,7 +1659,7 @@
           <p:cNvPr id="5" name="文本占位符 4">
             <a:extLst>
               <a:ext uri="{FF2B5EF4-FFF2-40B4-BE49-F238E27FC236}">
-                <a16:creationId xmlns:a16="http://schemas.microsoft.com/office/drawing/2014/main" id="{80F054AC-F2E6-6072-2574-B641379B0DC1}"/>
+                <a16:creationId xmlns:a16="http://schemas.microsoft.com/office/drawing/2014/main" id="{E453FE2B-C0D3-48CE-8952-14A6F4B703B4}"/>
               </a:ext>
             </a:extLst>
           </p:cNvPr>
@@ -1730,7 +1730,7 @@
           <p:cNvPr id="6" name="内容占位符 5">
             <a:extLst>
               <a:ext uri="{FF2B5EF4-FFF2-40B4-BE49-F238E27FC236}">
-                <a16:creationId xmlns:a16="http://schemas.microsoft.com/office/drawing/2014/main" id="{51745679-6BBF-409D-82B5-AD399922E956}"/>
+                <a16:creationId xmlns:a16="http://schemas.microsoft.com/office/drawing/2014/main" id="{B1EFBE54-6EFF-5809-13F2-CEE3F613EC67}"/>
               </a:ext>
             </a:extLst>
           </p:cNvPr>
@@ -1792,7 +1792,7 @@
           <p:cNvPr id="7" name="日期占位符 6">
             <a:extLst>
               <a:ext uri="{FF2B5EF4-FFF2-40B4-BE49-F238E27FC236}">
-                <a16:creationId xmlns:a16="http://schemas.microsoft.com/office/drawing/2014/main" id="{D1EA000C-A710-C99B-1C0F-5563CA34A04E}"/>
+                <a16:creationId xmlns:a16="http://schemas.microsoft.com/office/drawing/2014/main" id="{9E5674F2-57E7-9DAB-3A6E-51F5925F9E10}"/>
               </a:ext>
             </a:extLst>
           </p:cNvPr>
@@ -1808,7 +1808,7 @@
           <a:bodyPr/>
           <a:lstStyle/>
           <a:p>
-            <a:fld id="{1F25C5EC-7752-4F6D-A166-A6FA530EE0EB}" type="datetimeFigureOut">
+            <a:fld id="{9E96228B-7B37-4449-AC88-C9D2E6BC7C34}" type="datetimeFigureOut">
               <a:rPr lang="zh-CN" altLang="en-US" smtClean="0"/>
               <a:t>2024/3/10</a:t>
             </a:fld>
@@ -1821,7 +1821,7 @@
           <p:cNvPr id="8" name="页脚占位符 7">
             <a:extLst>
               <a:ext uri="{FF2B5EF4-FFF2-40B4-BE49-F238E27FC236}">
-                <a16:creationId xmlns:a16="http://schemas.microsoft.com/office/drawing/2014/main" id="{87B4CDEE-6C01-A9F4-6F0A-96E00F796558}"/>
+                <a16:creationId xmlns:a16="http://schemas.microsoft.com/office/drawing/2014/main" id="{E8E2F2F5-F116-D1AC-0B68-F86D79F9645F}"/>
               </a:ext>
             </a:extLst>
           </p:cNvPr>
@@ -1846,7 +1846,7 @@
           <p:cNvPr id="9" name="灯片编号占位符 8">
             <a:extLst>
               <a:ext uri="{FF2B5EF4-FFF2-40B4-BE49-F238E27FC236}">
-                <a16:creationId xmlns:a16="http://schemas.microsoft.com/office/drawing/2014/main" id="{48D48E9A-1264-1523-1956-6BEEA5C5DDCC}"/>
+                <a16:creationId xmlns:a16="http://schemas.microsoft.com/office/drawing/2014/main" id="{9B463E92-0EA0-0F36-78A6-F6B6B168DA04}"/>
               </a:ext>
             </a:extLst>
           </p:cNvPr>
@@ -1862,7 +1862,7 @@
           <a:bodyPr/>
           <a:lstStyle/>
           <a:p>
-            <a:fld id="{147A3EEB-C445-441F-8ACF-6D3EDBD5FA8F}" type="slidenum">
+            <a:fld id="{C0C186E9-95A9-4582-9122-6359CE8503E3}" type="slidenum">
               <a:rPr lang="zh-CN" altLang="en-US" smtClean="0"/>
               <a:t>‹#›</a:t>
             </a:fld>
@@ -1873,7 +1873,7 @@
     </p:spTree>
     <p:extLst>
       <p:ext uri="{BB962C8B-B14F-4D97-AF65-F5344CB8AC3E}">
-        <p14:creationId xmlns:p14="http://schemas.microsoft.com/office/powerpoint/2010/main" val="3587550093"/>
+        <p14:creationId xmlns:p14="http://schemas.microsoft.com/office/powerpoint/2010/main" val="2410266155"/>
       </p:ext>
     </p:extLst>
   </p:cSld>
@@ -1905,7 +1905,7 @@
           <p:cNvPr id="2" name="标题 1">
             <a:extLst>
               <a:ext uri="{FF2B5EF4-FFF2-40B4-BE49-F238E27FC236}">
-                <a16:creationId xmlns:a16="http://schemas.microsoft.com/office/drawing/2014/main" id="{4EEE2804-801E-ABCA-4CD5-1633041ED910}"/>
+                <a16:creationId xmlns:a16="http://schemas.microsoft.com/office/drawing/2014/main" id="{856F14B4-A3CE-D99D-CB94-C707E5BCBD44}"/>
               </a:ext>
             </a:extLst>
           </p:cNvPr>
@@ -1933,7 +1933,7 @@
           <p:cNvPr id="3" name="日期占位符 2">
             <a:extLst>
               <a:ext uri="{FF2B5EF4-FFF2-40B4-BE49-F238E27FC236}">
-                <a16:creationId xmlns:a16="http://schemas.microsoft.com/office/drawing/2014/main" id="{AAEE1979-7134-7D0F-680B-F23801A57B65}"/>
+                <a16:creationId xmlns:a16="http://schemas.microsoft.com/office/drawing/2014/main" id="{542A32E5-03BD-BA61-ADE3-A6839C72D513}"/>
               </a:ext>
             </a:extLst>
           </p:cNvPr>
@@ -1949,7 +1949,7 @@
           <a:bodyPr/>
           <a:lstStyle/>
           <a:p>
-            <a:fld id="{1F25C5EC-7752-4F6D-A166-A6FA530EE0EB}" type="datetimeFigureOut">
+            <a:fld id="{9E96228B-7B37-4449-AC88-C9D2E6BC7C34}" type="datetimeFigureOut">
               <a:rPr lang="zh-CN" altLang="en-US" smtClean="0"/>
               <a:t>2024/3/10</a:t>
             </a:fld>
@@ -1962,7 +1962,7 @@
           <p:cNvPr id="4" name="页脚占位符 3">
             <a:extLst>
               <a:ext uri="{FF2B5EF4-FFF2-40B4-BE49-F238E27FC236}">
-                <a16:creationId xmlns:a16="http://schemas.microsoft.com/office/drawing/2014/main" id="{7284D75B-6D05-E63D-49D4-AE03353C1B25}"/>
+                <a16:creationId xmlns:a16="http://schemas.microsoft.com/office/drawing/2014/main" id="{C5D4B8FD-83D3-BA17-E6A1-D41943F1E259}"/>
               </a:ext>
             </a:extLst>
           </p:cNvPr>
@@ -1987,7 +1987,7 @@
           <p:cNvPr id="5" name="灯片编号占位符 4">
             <a:extLst>
               <a:ext uri="{FF2B5EF4-FFF2-40B4-BE49-F238E27FC236}">
-                <a16:creationId xmlns:a16="http://schemas.microsoft.com/office/drawing/2014/main" id="{5C391095-A480-DB0F-4AA1-1D609FFB4131}"/>
+                <a16:creationId xmlns:a16="http://schemas.microsoft.com/office/drawing/2014/main" id="{A14498BB-FA41-24F8-DB50-3B330A43C89D}"/>
               </a:ext>
             </a:extLst>
           </p:cNvPr>
@@ -2003,7 +2003,7 @@
           <a:bodyPr/>
           <a:lstStyle/>
           <a:p>
-            <a:fld id="{147A3EEB-C445-441F-8ACF-6D3EDBD5FA8F}" type="slidenum">
+            <a:fld id="{C0C186E9-95A9-4582-9122-6359CE8503E3}" type="slidenum">
               <a:rPr lang="zh-CN" altLang="en-US" smtClean="0"/>
               <a:t>‹#›</a:t>
             </a:fld>
@@ -2014,7 +2014,7 @@
     </p:spTree>
     <p:extLst>
       <p:ext uri="{BB962C8B-B14F-4D97-AF65-F5344CB8AC3E}">
-        <p14:creationId xmlns:p14="http://schemas.microsoft.com/office/powerpoint/2010/main" val="876307008"/>
+        <p14:creationId xmlns:p14="http://schemas.microsoft.com/office/powerpoint/2010/main" val="4085389329"/>
       </p:ext>
     </p:extLst>
   </p:cSld>
@@ -2046,7 +2046,7 @@
           <p:cNvPr id="2" name="日期占位符 1">
             <a:extLst>
               <a:ext uri="{FF2B5EF4-FFF2-40B4-BE49-F238E27FC236}">
-                <a16:creationId xmlns:a16="http://schemas.microsoft.com/office/drawing/2014/main" id="{7A3B9D2E-9454-5A04-F27F-6BD24484D740}"/>
+                <a16:creationId xmlns:a16="http://schemas.microsoft.com/office/drawing/2014/main" id="{39E1B832-F2BC-4DD1-77B7-3A9B76C19977}"/>
               </a:ext>
             </a:extLst>
           </p:cNvPr>
@@ -2062,7 +2062,7 @@
           <a:bodyPr/>
           <a:lstStyle/>
           <a:p>
-            <a:fld id="{1F25C5EC-7752-4F6D-A166-A6FA530EE0EB}" type="datetimeFigureOut">
+            <a:fld id="{9E96228B-7B37-4449-AC88-C9D2E6BC7C34}" type="datetimeFigureOut">
               <a:rPr lang="zh-CN" altLang="en-US" smtClean="0"/>
               <a:t>2024/3/10</a:t>
             </a:fld>
@@ -2075,7 +2075,7 @@
           <p:cNvPr id="3" name="页脚占位符 2">
             <a:extLst>
               <a:ext uri="{FF2B5EF4-FFF2-40B4-BE49-F238E27FC236}">
-                <a16:creationId xmlns:a16="http://schemas.microsoft.com/office/drawing/2014/main" id="{DE07AB88-0D3A-09D8-29AA-A65667DADF68}"/>
+                <a16:creationId xmlns:a16="http://schemas.microsoft.com/office/drawing/2014/main" id="{74750466-2886-C16D-A9FE-1DD862EDA4A6}"/>
               </a:ext>
             </a:extLst>
           </p:cNvPr>
@@ -2100,7 +2100,7 @@
           <p:cNvPr id="4" name="灯片编号占位符 3">
             <a:extLst>
               <a:ext uri="{FF2B5EF4-FFF2-40B4-BE49-F238E27FC236}">
-                <a16:creationId xmlns:a16="http://schemas.microsoft.com/office/drawing/2014/main" id="{B1D7B95A-7D18-172D-9D3A-467BE4C3BC4E}"/>
+                <a16:creationId xmlns:a16="http://schemas.microsoft.com/office/drawing/2014/main" id="{F7FD4CF0-C0B9-1773-4711-0CC098D612C3}"/>
               </a:ext>
             </a:extLst>
           </p:cNvPr>
@@ -2116,7 +2116,7 @@
           <a:bodyPr/>
           <a:lstStyle/>
           <a:p>
-            <a:fld id="{147A3EEB-C445-441F-8ACF-6D3EDBD5FA8F}" type="slidenum">
+            <a:fld id="{C0C186E9-95A9-4582-9122-6359CE8503E3}" type="slidenum">
               <a:rPr lang="zh-CN" altLang="en-US" smtClean="0"/>
               <a:t>‹#›</a:t>
             </a:fld>
@@ -2127,7 +2127,7 @@
     </p:spTree>
     <p:extLst>
       <p:ext uri="{BB962C8B-B14F-4D97-AF65-F5344CB8AC3E}">
-        <p14:creationId xmlns:p14="http://schemas.microsoft.com/office/powerpoint/2010/main" val="1648259275"/>
+        <p14:creationId xmlns:p14="http://schemas.microsoft.com/office/powerpoint/2010/main" val="1759206674"/>
       </p:ext>
     </p:extLst>
   </p:cSld>
@@ -2159,7 +2159,7 @@
           <p:cNvPr id="2" name="标题 1">
             <a:extLst>
               <a:ext uri="{FF2B5EF4-FFF2-40B4-BE49-F238E27FC236}">
-                <a16:creationId xmlns:a16="http://schemas.microsoft.com/office/drawing/2014/main" id="{8F27F94A-5DBA-C15F-A676-1D901D3CA01E}"/>
+                <a16:creationId xmlns:a16="http://schemas.microsoft.com/office/drawing/2014/main" id="{B79E59DC-4422-A083-F5C8-F1B31345556D}"/>
               </a:ext>
             </a:extLst>
           </p:cNvPr>
@@ -2196,7 +2196,7 @@
           <p:cNvPr id="3" name="内容占位符 2">
             <a:extLst>
               <a:ext uri="{FF2B5EF4-FFF2-40B4-BE49-F238E27FC236}">
-                <a16:creationId xmlns:a16="http://schemas.microsoft.com/office/drawing/2014/main" id="{78E61131-F8F2-8CD1-7234-85166CDFB0F0}"/>
+                <a16:creationId xmlns:a16="http://schemas.microsoft.com/office/drawing/2014/main" id="{FE8D1A80-EC4C-1BB2-2FA4-3E42BFC0CC4E}"/>
               </a:ext>
             </a:extLst>
           </p:cNvPr>
@@ -2286,7 +2286,7 @@
           <p:cNvPr id="4" name="文本占位符 3">
             <a:extLst>
               <a:ext uri="{FF2B5EF4-FFF2-40B4-BE49-F238E27FC236}">
-                <a16:creationId xmlns:a16="http://schemas.microsoft.com/office/drawing/2014/main" id="{1AB20100-F503-B4C9-7F11-FD06F9F3C62C}"/>
+                <a16:creationId xmlns:a16="http://schemas.microsoft.com/office/drawing/2014/main" id="{35730B0B-4A54-5E3A-604D-CBFAD3240E47}"/>
               </a:ext>
             </a:extLst>
           </p:cNvPr>
@@ -2357,7 +2357,7 @@
           <p:cNvPr id="5" name="日期占位符 4">
             <a:extLst>
               <a:ext uri="{FF2B5EF4-FFF2-40B4-BE49-F238E27FC236}">
-                <a16:creationId xmlns:a16="http://schemas.microsoft.com/office/drawing/2014/main" id="{60A16CEE-C190-8938-E44A-F96D189651CE}"/>
+                <a16:creationId xmlns:a16="http://schemas.microsoft.com/office/drawing/2014/main" id="{B6787E42-C1A4-F685-C1D7-B1C61088EE90}"/>
               </a:ext>
             </a:extLst>
           </p:cNvPr>
@@ -2373,7 +2373,7 @@
           <a:bodyPr/>
           <a:lstStyle/>
           <a:p>
-            <a:fld id="{1F25C5EC-7752-4F6D-A166-A6FA530EE0EB}" type="datetimeFigureOut">
+            <a:fld id="{9E96228B-7B37-4449-AC88-C9D2E6BC7C34}" type="datetimeFigureOut">
               <a:rPr lang="zh-CN" altLang="en-US" smtClean="0"/>
               <a:t>2024/3/10</a:t>
             </a:fld>
@@ -2386,7 +2386,7 @@
           <p:cNvPr id="6" name="页脚占位符 5">
             <a:extLst>
               <a:ext uri="{FF2B5EF4-FFF2-40B4-BE49-F238E27FC236}">
-                <a16:creationId xmlns:a16="http://schemas.microsoft.com/office/drawing/2014/main" id="{F138ADC5-CFF0-8D99-3717-298651C1143A}"/>
+                <a16:creationId xmlns:a16="http://schemas.microsoft.com/office/drawing/2014/main" id="{1482146F-6A24-ADBC-2FF4-9E85E0CB14D1}"/>
               </a:ext>
             </a:extLst>
           </p:cNvPr>
@@ -2411,7 +2411,7 @@
           <p:cNvPr id="7" name="灯片编号占位符 6">
             <a:extLst>
               <a:ext uri="{FF2B5EF4-FFF2-40B4-BE49-F238E27FC236}">
-                <a16:creationId xmlns:a16="http://schemas.microsoft.com/office/drawing/2014/main" id="{9438DDA8-1587-E255-2CB7-BB5386620490}"/>
+                <a16:creationId xmlns:a16="http://schemas.microsoft.com/office/drawing/2014/main" id="{1A9A02F4-AFC3-1610-6076-60DC525DA7F5}"/>
               </a:ext>
             </a:extLst>
           </p:cNvPr>
@@ -2427,7 +2427,7 @@
           <a:bodyPr/>
           <a:lstStyle/>
           <a:p>
-            <a:fld id="{147A3EEB-C445-441F-8ACF-6D3EDBD5FA8F}" type="slidenum">
+            <a:fld id="{C0C186E9-95A9-4582-9122-6359CE8503E3}" type="slidenum">
               <a:rPr lang="zh-CN" altLang="en-US" smtClean="0"/>
               <a:t>‹#›</a:t>
             </a:fld>
@@ -2438,7 +2438,7 @@
     </p:spTree>
     <p:extLst>
       <p:ext uri="{BB962C8B-B14F-4D97-AF65-F5344CB8AC3E}">
-        <p14:creationId xmlns:p14="http://schemas.microsoft.com/office/powerpoint/2010/main" val="2729974692"/>
+        <p14:creationId xmlns:p14="http://schemas.microsoft.com/office/powerpoint/2010/main" val="2447363245"/>
       </p:ext>
     </p:extLst>
   </p:cSld>
@@ -2470,7 +2470,7 @@
           <p:cNvPr id="2" name="标题 1">
             <a:extLst>
               <a:ext uri="{FF2B5EF4-FFF2-40B4-BE49-F238E27FC236}">
-                <a16:creationId xmlns:a16="http://schemas.microsoft.com/office/drawing/2014/main" id="{C9C015E0-339D-6D27-1C4E-86BAAA8342C2}"/>
+                <a16:creationId xmlns:a16="http://schemas.microsoft.com/office/drawing/2014/main" id="{A0E871B2-8B91-3243-3ABE-11D44E75C4BC}"/>
               </a:ext>
             </a:extLst>
           </p:cNvPr>
@@ -2507,7 +2507,7 @@
           <p:cNvPr id="3" name="图片占位符 2">
             <a:extLst>
               <a:ext uri="{FF2B5EF4-FFF2-40B4-BE49-F238E27FC236}">
-                <a16:creationId xmlns:a16="http://schemas.microsoft.com/office/drawing/2014/main" id="{6244CC57-F019-D739-FB3C-1CF2CED172A3}"/>
+                <a16:creationId xmlns:a16="http://schemas.microsoft.com/office/drawing/2014/main" id="{A45AB18F-9048-C992-5A2F-700A170D4C09}"/>
               </a:ext>
             </a:extLst>
           </p:cNvPr>
@@ -2574,7 +2574,7 @@
           <p:cNvPr id="4" name="文本占位符 3">
             <a:extLst>
               <a:ext uri="{FF2B5EF4-FFF2-40B4-BE49-F238E27FC236}">
-                <a16:creationId xmlns:a16="http://schemas.microsoft.com/office/drawing/2014/main" id="{D410624D-33F7-FBB2-0E36-9479B7703181}"/>
+                <a16:creationId xmlns:a16="http://schemas.microsoft.com/office/drawing/2014/main" id="{451515B1-1A4A-CD25-EDA8-23C5B6AB69A3}"/>
               </a:ext>
             </a:extLst>
           </p:cNvPr>
@@ -2645,7 +2645,7 @@
           <p:cNvPr id="5" name="日期占位符 4">
             <a:extLst>
               <a:ext uri="{FF2B5EF4-FFF2-40B4-BE49-F238E27FC236}">
-                <a16:creationId xmlns:a16="http://schemas.microsoft.com/office/drawing/2014/main" id="{4F75AEAA-4DF5-A15C-9B83-21877048B42B}"/>
+                <a16:creationId xmlns:a16="http://schemas.microsoft.com/office/drawing/2014/main" id="{B1C6A32E-5717-74AE-ABC1-1C50DC4F8EB2}"/>
               </a:ext>
             </a:extLst>
           </p:cNvPr>
@@ -2661,7 +2661,7 @@
           <a:bodyPr/>
           <a:lstStyle/>
           <a:p>
-            <a:fld id="{1F25C5EC-7752-4F6D-A166-A6FA530EE0EB}" type="datetimeFigureOut">
+            <a:fld id="{9E96228B-7B37-4449-AC88-C9D2E6BC7C34}" type="datetimeFigureOut">
               <a:rPr lang="zh-CN" altLang="en-US" smtClean="0"/>
               <a:t>2024/3/10</a:t>
             </a:fld>
@@ -2674,7 +2674,7 @@
           <p:cNvPr id="6" name="页脚占位符 5">
             <a:extLst>
               <a:ext uri="{FF2B5EF4-FFF2-40B4-BE49-F238E27FC236}">
-                <a16:creationId xmlns:a16="http://schemas.microsoft.com/office/drawing/2014/main" id="{7A00C750-8321-C2C9-CFAB-FEEB6BE1CF85}"/>
+                <a16:creationId xmlns:a16="http://schemas.microsoft.com/office/drawing/2014/main" id="{D28C8D6C-8451-4086-85C0-020BDCA6F942}"/>
               </a:ext>
             </a:extLst>
           </p:cNvPr>
@@ -2699,7 +2699,7 @@
           <p:cNvPr id="7" name="灯片编号占位符 6">
             <a:extLst>
               <a:ext uri="{FF2B5EF4-FFF2-40B4-BE49-F238E27FC236}">
-                <a16:creationId xmlns:a16="http://schemas.microsoft.com/office/drawing/2014/main" id="{FF77C877-83C6-2565-E1DC-3A1C7EF926FD}"/>
+                <a16:creationId xmlns:a16="http://schemas.microsoft.com/office/drawing/2014/main" id="{0D7A8C37-9610-D197-351A-1F464E69B4B1}"/>
               </a:ext>
             </a:extLst>
           </p:cNvPr>
@@ -2715,7 +2715,7 @@
           <a:bodyPr/>
           <a:lstStyle/>
           <a:p>
-            <a:fld id="{147A3EEB-C445-441F-8ACF-6D3EDBD5FA8F}" type="slidenum">
+            <a:fld id="{C0C186E9-95A9-4582-9122-6359CE8503E3}" type="slidenum">
               <a:rPr lang="zh-CN" altLang="en-US" smtClean="0"/>
               <a:t>‹#›</a:t>
             </a:fld>
@@ -2726,7 +2726,7 @@
     </p:spTree>
     <p:extLst>
       <p:ext uri="{BB962C8B-B14F-4D97-AF65-F5344CB8AC3E}">
-        <p14:creationId xmlns:p14="http://schemas.microsoft.com/office/powerpoint/2010/main" val="1401251708"/>
+        <p14:creationId xmlns:p14="http://schemas.microsoft.com/office/powerpoint/2010/main" val="1025568497"/>
       </p:ext>
     </p:extLst>
   </p:cSld>
@@ -2763,7 +2763,7 @@
           <p:cNvPr id="2" name="标题占位符 1">
             <a:extLst>
               <a:ext uri="{FF2B5EF4-FFF2-40B4-BE49-F238E27FC236}">
-                <a16:creationId xmlns:a16="http://schemas.microsoft.com/office/drawing/2014/main" id="{09C1C55B-97DA-CC47-FBB3-C8483827E58F}"/>
+                <a16:creationId xmlns:a16="http://schemas.microsoft.com/office/drawing/2014/main" id="{2B439BFD-FE25-16E1-72D8-790E7B4DC692}"/>
               </a:ext>
             </a:extLst>
           </p:cNvPr>
@@ -2801,7 +2801,7 @@
           <p:cNvPr id="3" name="文本占位符 2">
             <a:extLst>
               <a:ext uri="{FF2B5EF4-FFF2-40B4-BE49-F238E27FC236}">
-                <a16:creationId xmlns:a16="http://schemas.microsoft.com/office/drawing/2014/main" id="{D9839F4A-6000-CA36-4D4C-81759B459217}"/>
+                <a16:creationId xmlns:a16="http://schemas.microsoft.com/office/drawing/2014/main" id="{39FF4DCF-A7DA-14B0-1137-A13790675BF6}"/>
               </a:ext>
             </a:extLst>
           </p:cNvPr>
@@ -2868,7 +2868,7 @@
           <p:cNvPr id="4" name="日期占位符 3">
             <a:extLst>
               <a:ext uri="{FF2B5EF4-FFF2-40B4-BE49-F238E27FC236}">
-                <a16:creationId xmlns:a16="http://schemas.microsoft.com/office/drawing/2014/main" id="{C292C949-EC7C-BD20-7577-4268EA77D6AA}"/>
+                <a16:creationId xmlns:a16="http://schemas.microsoft.com/office/drawing/2014/main" id="{B9C16238-6C14-7DD2-DCAA-A4FF39831B05}"/>
               </a:ext>
             </a:extLst>
           </p:cNvPr>
@@ -2902,7 +2902,7 @@
             </a:lvl1pPr>
           </a:lstStyle>
           <a:p>
-            <a:fld id="{1F25C5EC-7752-4F6D-A166-A6FA530EE0EB}" type="datetimeFigureOut">
+            <a:fld id="{9E96228B-7B37-4449-AC88-C9D2E6BC7C34}" type="datetimeFigureOut">
               <a:rPr lang="zh-CN" altLang="en-US" smtClean="0"/>
               <a:t>2024/3/10</a:t>
             </a:fld>
@@ -2915,7 +2915,7 @@
           <p:cNvPr id="5" name="页脚占位符 4">
             <a:extLst>
               <a:ext uri="{FF2B5EF4-FFF2-40B4-BE49-F238E27FC236}">
-                <a16:creationId xmlns:a16="http://schemas.microsoft.com/office/drawing/2014/main" id="{68ED2716-B805-2D5B-C76E-A70015246088}"/>
+                <a16:creationId xmlns:a16="http://schemas.microsoft.com/office/drawing/2014/main" id="{32A0D61D-D365-088E-DFEC-FFE3E785951B}"/>
               </a:ext>
             </a:extLst>
           </p:cNvPr>
@@ -2958,7 +2958,7 @@
           <p:cNvPr id="6" name="灯片编号占位符 5">
             <a:extLst>
               <a:ext uri="{FF2B5EF4-FFF2-40B4-BE49-F238E27FC236}">
-                <a16:creationId xmlns:a16="http://schemas.microsoft.com/office/drawing/2014/main" id="{4FD7ECE6-C72E-5830-4875-ED4B1A49BDBD}"/>
+                <a16:creationId xmlns:a16="http://schemas.microsoft.com/office/drawing/2014/main" id="{591A06AE-5BF7-293E-0E6F-8F52CBA340B9}"/>
               </a:ext>
             </a:extLst>
           </p:cNvPr>
@@ -2992,7 +2992,7 @@
             </a:lvl1pPr>
           </a:lstStyle>
           <a:p>
-            <a:fld id="{147A3EEB-C445-441F-8ACF-6D3EDBD5FA8F}" type="slidenum">
+            <a:fld id="{C0C186E9-95A9-4582-9122-6359CE8503E3}" type="slidenum">
               <a:rPr lang="zh-CN" altLang="en-US" smtClean="0"/>
               <a:t>‹#›</a:t>
             </a:fld>
@@ -3003,7 +3003,7 @@
     </p:spTree>
     <p:extLst>
       <p:ext uri="{BB962C8B-B14F-4D97-AF65-F5344CB8AC3E}">
-        <p14:creationId xmlns:p14="http://schemas.microsoft.com/office/powerpoint/2010/main" val="3007136904"/>
+        <p14:creationId xmlns:p14="http://schemas.microsoft.com/office/powerpoint/2010/main" val="2457599980"/>
       </p:ext>
     </p:extLst>
   </p:cSld>
@@ -3323,7 +3323,7 @@
       </p:grpSpPr>
       <p:pic>
         <p:nvPicPr>
-          <p:cNvPr id="307202" name="Picture 2" descr="299"/>
+          <p:cNvPr id="308226" name="Picture 2" descr="300"/>
           <p:cNvPicPr>
             <a:picLocks noChangeAspect="1" noChangeArrowheads="1"/>
           </p:cNvPicPr>
@@ -3345,7 +3345,7 @@
         <p:spPr bwMode="auto">
           <a:xfrm>
             <a:off x="1524000" y="0"/>
-            <a:ext cx="9144000" cy="4724400"/>
+            <a:ext cx="9144000" cy="6858000"/>
           </a:xfrm>
           <a:prstGeom prst="rect">
             <a:avLst/>
